--- a/ppt 16-9/0317.圣经至宝.pptx
+++ b/ppt 16-9/0317.圣经至宝.pptx
@@ -129,7 +129,7 @@
           <p:cNvPr id="2" name="标题 1">
             <a:extLst>
               <a:ext uri="{FF2B5EF4-FFF2-40B4-BE49-F238E27FC236}">
-                <a16:creationId xmlns:a16="http://schemas.microsoft.com/office/drawing/2014/main" id="{9EB0CADC-269A-6F13-B7D0-367FBB0ECCE3}"/>
+                <a16:creationId xmlns:a16="http://schemas.microsoft.com/office/drawing/2014/main" id="{3BDB89D7-3050-ACA6-DFBB-9E3C70F2C6D4}"/>
               </a:ext>
             </a:extLst>
           </p:cNvPr>
@@ -166,7 +166,7 @@
           <p:cNvPr id="3" name="副标题 2">
             <a:extLst>
               <a:ext uri="{FF2B5EF4-FFF2-40B4-BE49-F238E27FC236}">
-                <a16:creationId xmlns:a16="http://schemas.microsoft.com/office/drawing/2014/main" id="{3C82A904-A87D-6E43-26BA-3F3DEEB2E9EE}"/>
+                <a16:creationId xmlns:a16="http://schemas.microsoft.com/office/drawing/2014/main" id="{DD959B69-4AAB-67C9-9474-503721706861}"/>
               </a:ext>
             </a:extLst>
           </p:cNvPr>
@@ -236,7 +236,7 @@
           <p:cNvPr id="4" name="日期占位符 3">
             <a:extLst>
               <a:ext uri="{FF2B5EF4-FFF2-40B4-BE49-F238E27FC236}">
-                <a16:creationId xmlns:a16="http://schemas.microsoft.com/office/drawing/2014/main" id="{94C592BF-E185-1143-5B5F-D58EDF9320AC}"/>
+                <a16:creationId xmlns:a16="http://schemas.microsoft.com/office/drawing/2014/main" id="{EC90A1BD-8702-F9DB-2067-FDD67998699F}"/>
               </a:ext>
             </a:extLst>
           </p:cNvPr>
@@ -252,7 +252,7 @@
           <a:bodyPr/>
           <a:lstStyle/>
           <a:p>
-            <a:fld id="{DEB82341-6CC1-422E-9690-E6DDDE0ECB77}" type="datetimeFigureOut">
+            <a:fld id="{FFD437C2-76D8-44AC-9288-4D4C44F28180}" type="datetimeFigureOut">
               <a:rPr lang="zh-CN" altLang="en-US" smtClean="0"/>
               <a:t>2024/3/10</a:t>
             </a:fld>
@@ -265,7 +265,7 @@
           <p:cNvPr id="5" name="页脚占位符 4">
             <a:extLst>
               <a:ext uri="{FF2B5EF4-FFF2-40B4-BE49-F238E27FC236}">
-                <a16:creationId xmlns:a16="http://schemas.microsoft.com/office/drawing/2014/main" id="{98B5FE7A-D02C-C7AF-0105-D0219F3AE2C7}"/>
+                <a16:creationId xmlns:a16="http://schemas.microsoft.com/office/drawing/2014/main" id="{44EA2E2C-19E8-F382-C2E0-7E0B795E083F}"/>
               </a:ext>
             </a:extLst>
           </p:cNvPr>
@@ -290,7 +290,7 @@
           <p:cNvPr id="6" name="灯片编号占位符 5">
             <a:extLst>
               <a:ext uri="{FF2B5EF4-FFF2-40B4-BE49-F238E27FC236}">
-                <a16:creationId xmlns:a16="http://schemas.microsoft.com/office/drawing/2014/main" id="{E0C9041A-E144-AEB9-D5F8-CF281185ABF7}"/>
+                <a16:creationId xmlns:a16="http://schemas.microsoft.com/office/drawing/2014/main" id="{2ECFF4B6-FEF8-01EC-0F06-9A624E57562E}"/>
               </a:ext>
             </a:extLst>
           </p:cNvPr>
@@ -306,7 +306,7 @@
           <a:bodyPr/>
           <a:lstStyle/>
           <a:p>
-            <a:fld id="{A577BA06-BF80-4919-B618-EFCF9AD0C358}" type="slidenum">
+            <a:fld id="{B2F47103-2794-4D99-8DB9-B30862BB9282}" type="slidenum">
               <a:rPr lang="zh-CN" altLang="en-US" smtClean="0"/>
               <a:t>‹#›</a:t>
             </a:fld>
@@ -317,7 +317,7 @@
     </p:spTree>
     <p:extLst>
       <p:ext uri="{BB962C8B-B14F-4D97-AF65-F5344CB8AC3E}">
-        <p14:creationId xmlns:p14="http://schemas.microsoft.com/office/powerpoint/2010/main" val="1227889094"/>
+        <p14:creationId xmlns:p14="http://schemas.microsoft.com/office/powerpoint/2010/main" val="1082547616"/>
       </p:ext>
     </p:extLst>
   </p:cSld>
@@ -349,7 +349,7 @@
           <p:cNvPr id="2" name="标题 1">
             <a:extLst>
               <a:ext uri="{FF2B5EF4-FFF2-40B4-BE49-F238E27FC236}">
-                <a16:creationId xmlns:a16="http://schemas.microsoft.com/office/drawing/2014/main" id="{7606A0B3-FCCA-3420-2172-030A29E2049E}"/>
+                <a16:creationId xmlns:a16="http://schemas.microsoft.com/office/drawing/2014/main" id="{6A32A706-3542-D6F1-1365-1DC7BCF15D39}"/>
               </a:ext>
             </a:extLst>
           </p:cNvPr>
@@ -377,7 +377,7 @@
           <p:cNvPr id="3" name="竖排文字占位符 2">
             <a:extLst>
               <a:ext uri="{FF2B5EF4-FFF2-40B4-BE49-F238E27FC236}">
-                <a16:creationId xmlns:a16="http://schemas.microsoft.com/office/drawing/2014/main" id="{9396CD38-EB53-16F1-38FC-C7CED6954347}"/>
+                <a16:creationId xmlns:a16="http://schemas.microsoft.com/office/drawing/2014/main" id="{AEEA2997-59FA-4734-91B3-1E3F86E32E7A}"/>
               </a:ext>
             </a:extLst>
           </p:cNvPr>
@@ -434,7 +434,7 @@
           <p:cNvPr id="4" name="日期占位符 3">
             <a:extLst>
               <a:ext uri="{FF2B5EF4-FFF2-40B4-BE49-F238E27FC236}">
-                <a16:creationId xmlns:a16="http://schemas.microsoft.com/office/drawing/2014/main" id="{E21147F6-E48D-14B2-0306-714068609F5D}"/>
+                <a16:creationId xmlns:a16="http://schemas.microsoft.com/office/drawing/2014/main" id="{48C49D0D-6AA0-A89D-1A26-5A576F6A2127}"/>
               </a:ext>
             </a:extLst>
           </p:cNvPr>
@@ -450,7 +450,7 @@
           <a:bodyPr/>
           <a:lstStyle/>
           <a:p>
-            <a:fld id="{DEB82341-6CC1-422E-9690-E6DDDE0ECB77}" type="datetimeFigureOut">
+            <a:fld id="{FFD437C2-76D8-44AC-9288-4D4C44F28180}" type="datetimeFigureOut">
               <a:rPr lang="zh-CN" altLang="en-US" smtClean="0"/>
               <a:t>2024/3/10</a:t>
             </a:fld>
@@ -463,7 +463,7 @@
           <p:cNvPr id="5" name="页脚占位符 4">
             <a:extLst>
               <a:ext uri="{FF2B5EF4-FFF2-40B4-BE49-F238E27FC236}">
-                <a16:creationId xmlns:a16="http://schemas.microsoft.com/office/drawing/2014/main" id="{BBAFE93F-8C65-5BBA-7526-399FAF388E01}"/>
+                <a16:creationId xmlns:a16="http://schemas.microsoft.com/office/drawing/2014/main" id="{2B20B89E-A6A9-2B1F-1ED4-EDF86E49C550}"/>
               </a:ext>
             </a:extLst>
           </p:cNvPr>
@@ -488,7 +488,7 @@
           <p:cNvPr id="6" name="灯片编号占位符 5">
             <a:extLst>
               <a:ext uri="{FF2B5EF4-FFF2-40B4-BE49-F238E27FC236}">
-                <a16:creationId xmlns:a16="http://schemas.microsoft.com/office/drawing/2014/main" id="{DD67DE49-509C-A045-AB27-D341E69D6D53}"/>
+                <a16:creationId xmlns:a16="http://schemas.microsoft.com/office/drawing/2014/main" id="{42E932B5-46CA-F0A1-53D3-9FF716CE140D}"/>
               </a:ext>
             </a:extLst>
           </p:cNvPr>
@@ -504,7 +504,7 @@
           <a:bodyPr/>
           <a:lstStyle/>
           <a:p>
-            <a:fld id="{A577BA06-BF80-4919-B618-EFCF9AD0C358}" type="slidenum">
+            <a:fld id="{B2F47103-2794-4D99-8DB9-B30862BB9282}" type="slidenum">
               <a:rPr lang="zh-CN" altLang="en-US" smtClean="0"/>
               <a:t>‹#›</a:t>
             </a:fld>
@@ -515,7 +515,7 @@
     </p:spTree>
     <p:extLst>
       <p:ext uri="{BB962C8B-B14F-4D97-AF65-F5344CB8AC3E}">
-        <p14:creationId xmlns:p14="http://schemas.microsoft.com/office/powerpoint/2010/main" val="2213001757"/>
+        <p14:creationId xmlns:p14="http://schemas.microsoft.com/office/powerpoint/2010/main" val="4240505192"/>
       </p:ext>
     </p:extLst>
   </p:cSld>
@@ -547,7 +547,7 @@
           <p:cNvPr id="2" name="竖排标题 1">
             <a:extLst>
               <a:ext uri="{FF2B5EF4-FFF2-40B4-BE49-F238E27FC236}">
-                <a16:creationId xmlns:a16="http://schemas.microsoft.com/office/drawing/2014/main" id="{04929839-0A83-8FD5-6C83-0314AD446C3A}"/>
+                <a16:creationId xmlns:a16="http://schemas.microsoft.com/office/drawing/2014/main" id="{E1B9C771-100F-4B71-EC52-85881E427534}"/>
               </a:ext>
             </a:extLst>
           </p:cNvPr>
@@ -580,7 +580,7 @@
           <p:cNvPr id="3" name="竖排文字占位符 2">
             <a:extLst>
               <a:ext uri="{FF2B5EF4-FFF2-40B4-BE49-F238E27FC236}">
-                <a16:creationId xmlns:a16="http://schemas.microsoft.com/office/drawing/2014/main" id="{D49E59EF-6DC7-FDC7-8E9A-C86C2DAD6D6E}"/>
+                <a16:creationId xmlns:a16="http://schemas.microsoft.com/office/drawing/2014/main" id="{F4D4D138-7A87-1D85-3731-6A72BB5BF393}"/>
               </a:ext>
             </a:extLst>
           </p:cNvPr>
@@ -642,7 +642,7 @@
           <p:cNvPr id="4" name="日期占位符 3">
             <a:extLst>
               <a:ext uri="{FF2B5EF4-FFF2-40B4-BE49-F238E27FC236}">
-                <a16:creationId xmlns:a16="http://schemas.microsoft.com/office/drawing/2014/main" id="{4E8B4B03-99A3-D8A2-CE57-A631C67AD41F}"/>
+                <a16:creationId xmlns:a16="http://schemas.microsoft.com/office/drawing/2014/main" id="{EA331D1C-3A01-2822-D624-713031F07483}"/>
               </a:ext>
             </a:extLst>
           </p:cNvPr>
@@ -658,7 +658,7 @@
           <a:bodyPr/>
           <a:lstStyle/>
           <a:p>
-            <a:fld id="{DEB82341-6CC1-422E-9690-E6DDDE0ECB77}" type="datetimeFigureOut">
+            <a:fld id="{FFD437C2-76D8-44AC-9288-4D4C44F28180}" type="datetimeFigureOut">
               <a:rPr lang="zh-CN" altLang="en-US" smtClean="0"/>
               <a:t>2024/3/10</a:t>
             </a:fld>
@@ -671,7 +671,7 @@
           <p:cNvPr id="5" name="页脚占位符 4">
             <a:extLst>
               <a:ext uri="{FF2B5EF4-FFF2-40B4-BE49-F238E27FC236}">
-                <a16:creationId xmlns:a16="http://schemas.microsoft.com/office/drawing/2014/main" id="{5C6C92D7-1A7C-FA9D-7BA6-8A11E44EBD77}"/>
+                <a16:creationId xmlns:a16="http://schemas.microsoft.com/office/drawing/2014/main" id="{013E3538-0BB0-39FF-F4E2-73D4A15137BC}"/>
               </a:ext>
             </a:extLst>
           </p:cNvPr>
@@ -696,7 +696,7 @@
           <p:cNvPr id="6" name="灯片编号占位符 5">
             <a:extLst>
               <a:ext uri="{FF2B5EF4-FFF2-40B4-BE49-F238E27FC236}">
-                <a16:creationId xmlns:a16="http://schemas.microsoft.com/office/drawing/2014/main" id="{8E7E59AA-63A3-44B7-34A6-DB2CA2CF9E99}"/>
+                <a16:creationId xmlns:a16="http://schemas.microsoft.com/office/drawing/2014/main" id="{68BD6DCB-ABC1-FD1B-C46D-B26DDDD0FE21}"/>
               </a:ext>
             </a:extLst>
           </p:cNvPr>
@@ -712,7 +712,7 @@
           <a:bodyPr/>
           <a:lstStyle/>
           <a:p>
-            <a:fld id="{A577BA06-BF80-4919-B618-EFCF9AD0C358}" type="slidenum">
+            <a:fld id="{B2F47103-2794-4D99-8DB9-B30862BB9282}" type="slidenum">
               <a:rPr lang="zh-CN" altLang="en-US" smtClean="0"/>
               <a:t>‹#›</a:t>
             </a:fld>
@@ -723,7 +723,7 @@
     </p:spTree>
     <p:extLst>
       <p:ext uri="{BB962C8B-B14F-4D97-AF65-F5344CB8AC3E}">
-        <p14:creationId xmlns:p14="http://schemas.microsoft.com/office/powerpoint/2010/main" val="1514499669"/>
+        <p14:creationId xmlns:p14="http://schemas.microsoft.com/office/powerpoint/2010/main" val="308021099"/>
       </p:ext>
     </p:extLst>
   </p:cSld>
@@ -755,7 +755,7 @@
           <p:cNvPr id="2" name="标题 1">
             <a:extLst>
               <a:ext uri="{FF2B5EF4-FFF2-40B4-BE49-F238E27FC236}">
-                <a16:creationId xmlns:a16="http://schemas.microsoft.com/office/drawing/2014/main" id="{9A7389B6-9458-ED18-6C0D-25EA0E1B899D}"/>
+                <a16:creationId xmlns:a16="http://schemas.microsoft.com/office/drawing/2014/main" id="{787814AC-6E86-DD72-9144-036DCD8921E1}"/>
               </a:ext>
             </a:extLst>
           </p:cNvPr>
@@ -783,7 +783,7 @@
           <p:cNvPr id="3" name="内容占位符 2">
             <a:extLst>
               <a:ext uri="{FF2B5EF4-FFF2-40B4-BE49-F238E27FC236}">
-                <a16:creationId xmlns:a16="http://schemas.microsoft.com/office/drawing/2014/main" id="{06B39F6E-D46B-12BD-C85F-825663F3EBB8}"/>
+                <a16:creationId xmlns:a16="http://schemas.microsoft.com/office/drawing/2014/main" id="{AF0F81F0-E0EF-BBE3-BF37-BB6E7E7E5E06}"/>
               </a:ext>
             </a:extLst>
           </p:cNvPr>
@@ -840,7 +840,7 @@
           <p:cNvPr id="4" name="日期占位符 3">
             <a:extLst>
               <a:ext uri="{FF2B5EF4-FFF2-40B4-BE49-F238E27FC236}">
-                <a16:creationId xmlns:a16="http://schemas.microsoft.com/office/drawing/2014/main" id="{E440FBDF-E453-EC42-1036-3A3A6C673C6A}"/>
+                <a16:creationId xmlns:a16="http://schemas.microsoft.com/office/drawing/2014/main" id="{728F29D8-E0EB-E032-41D0-DDF949352865}"/>
               </a:ext>
             </a:extLst>
           </p:cNvPr>
@@ -856,7 +856,7 @@
           <a:bodyPr/>
           <a:lstStyle/>
           <a:p>
-            <a:fld id="{DEB82341-6CC1-422E-9690-E6DDDE0ECB77}" type="datetimeFigureOut">
+            <a:fld id="{FFD437C2-76D8-44AC-9288-4D4C44F28180}" type="datetimeFigureOut">
               <a:rPr lang="zh-CN" altLang="en-US" smtClean="0"/>
               <a:t>2024/3/10</a:t>
             </a:fld>
@@ -869,7 +869,7 @@
           <p:cNvPr id="5" name="页脚占位符 4">
             <a:extLst>
               <a:ext uri="{FF2B5EF4-FFF2-40B4-BE49-F238E27FC236}">
-                <a16:creationId xmlns:a16="http://schemas.microsoft.com/office/drawing/2014/main" id="{0991F833-74C0-2EA4-EDFA-C474E43ACC94}"/>
+                <a16:creationId xmlns:a16="http://schemas.microsoft.com/office/drawing/2014/main" id="{652717E7-4C20-C07F-00B3-820F40240109}"/>
               </a:ext>
             </a:extLst>
           </p:cNvPr>
@@ -894,7 +894,7 @@
           <p:cNvPr id="6" name="灯片编号占位符 5">
             <a:extLst>
               <a:ext uri="{FF2B5EF4-FFF2-40B4-BE49-F238E27FC236}">
-                <a16:creationId xmlns:a16="http://schemas.microsoft.com/office/drawing/2014/main" id="{3A71221C-9658-70B3-77E1-C8E734485E6A}"/>
+                <a16:creationId xmlns:a16="http://schemas.microsoft.com/office/drawing/2014/main" id="{75AD678F-2B44-CA47-3B8E-C3D8AD34F023}"/>
               </a:ext>
             </a:extLst>
           </p:cNvPr>
@@ -910,7 +910,7 @@
           <a:bodyPr/>
           <a:lstStyle/>
           <a:p>
-            <a:fld id="{A577BA06-BF80-4919-B618-EFCF9AD0C358}" type="slidenum">
+            <a:fld id="{B2F47103-2794-4D99-8DB9-B30862BB9282}" type="slidenum">
               <a:rPr lang="zh-CN" altLang="en-US" smtClean="0"/>
               <a:t>‹#›</a:t>
             </a:fld>
@@ -921,7 +921,7 @@
     </p:spTree>
     <p:extLst>
       <p:ext uri="{BB962C8B-B14F-4D97-AF65-F5344CB8AC3E}">
-        <p14:creationId xmlns:p14="http://schemas.microsoft.com/office/powerpoint/2010/main" val="2232994674"/>
+        <p14:creationId xmlns:p14="http://schemas.microsoft.com/office/powerpoint/2010/main" val="2042357852"/>
       </p:ext>
     </p:extLst>
   </p:cSld>
@@ -953,7 +953,7 @@
           <p:cNvPr id="2" name="标题 1">
             <a:extLst>
               <a:ext uri="{FF2B5EF4-FFF2-40B4-BE49-F238E27FC236}">
-                <a16:creationId xmlns:a16="http://schemas.microsoft.com/office/drawing/2014/main" id="{934DB399-E4D0-A3D3-15F8-8C9D245B01CE}"/>
+                <a16:creationId xmlns:a16="http://schemas.microsoft.com/office/drawing/2014/main" id="{B971B7F7-4AC2-99AE-81FE-2BD4B0995004}"/>
               </a:ext>
             </a:extLst>
           </p:cNvPr>
@@ -990,7 +990,7 @@
           <p:cNvPr id="3" name="文本占位符 2">
             <a:extLst>
               <a:ext uri="{FF2B5EF4-FFF2-40B4-BE49-F238E27FC236}">
-                <a16:creationId xmlns:a16="http://schemas.microsoft.com/office/drawing/2014/main" id="{6CA7B6A0-7D10-6D6B-9DD3-0EDB9DAD175F}"/>
+                <a16:creationId xmlns:a16="http://schemas.microsoft.com/office/drawing/2014/main" id="{C435D066-FA6D-554A-BD9C-97F2CC98453D}"/>
               </a:ext>
             </a:extLst>
           </p:cNvPr>
@@ -1115,7 +1115,7 @@
           <p:cNvPr id="4" name="日期占位符 3">
             <a:extLst>
               <a:ext uri="{FF2B5EF4-FFF2-40B4-BE49-F238E27FC236}">
-                <a16:creationId xmlns:a16="http://schemas.microsoft.com/office/drawing/2014/main" id="{A68706A0-2F95-9880-0679-1F2F87AB8BC9}"/>
+                <a16:creationId xmlns:a16="http://schemas.microsoft.com/office/drawing/2014/main" id="{B03A10C8-87BF-05DA-BC34-029FED3F5B25}"/>
               </a:ext>
             </a:extLst>
           </p:cNvPr>
@@ -1131,7 +1131,7 @@
           <a:bodyPr/>
           <a:lstStyle/>
           <a:p>
-            <a:fld id="{DEB82341-6CC1-422E-9690-E6DDDE0ECB77}" type="datetimeFigureOut">
+            <a:fld id="{FFD437C2-76D8-44AC-9288-4D4C44F28180}" type="datetimeFigureOut">
               <a:rPr lang="zh-CN" altLang="en-US" smtClean="0"/>
               <a:t>2024/3/10</a:t>
             </a:fld>
@@ -1144,7 +1144,7 @@
           <p:cNvPr id="5" name="页脚占位符 4">
             <a:extLst>
               <a:ext uri="{FF2B5EF4-FFF2-40B4-BE49-F238E27FC236}">
-                <a16:creationId xmlns:a16="http://schemas.microsoft.com/office/drawing/2014/main" id="{15B0D287-E3A2-8770-7218-871C00878282}"/>
+                <a16:creationId xmlns:a16="http://schemas.microsoft.com/office/drawing/2014/main" id="{E0889A98-D51A-8A51-4AC1-CD19CE7F306B}"/>
               </a:ext>
             </a:extLst>
           </p:cNvPr>
@@ -1169,7 +1169,7 @@
           <p:cNvPr id="6" name="灯片编号占位符 5">
             <a:extLst>
               <a:ext uri="{FF2B5EF4-FFF2-40B4-BE49-F238E27FC236}">
-                <a16:creationId xmlns:a16="http://schemas.microsoft.com/office/drawing/2014/main" id="{939E671E-1BCE-B9D7-DC6F-B55F2F0E0B2B}"/>
+                <a16:creationId xmlns:a16="http://schemas.microsoft.com/office/drawing/2014/main" id="{6CE1A676-BE70-8B8E-A042-1572A027E873}"/>
               </a:ext>
             </a:extLst>
           </p:cNvPr>
@@ -1185,7 +1185,7 @@
           <a:bodyPr/>
           <a:lstStyle/>
           <a:p>
-            <a:fld id="{A577BA06-BF80-4919-B618-EFCF9AD0C358}" type="slidenum">
+            <a:fld id="{B2F47103-2794-4D99-8DB9-B30862BB9282}" type="slidenum">
               <a:rPr lang="zh-CN" altLang="en-US" smtClean="0"/>
               <a:t>‹#›</a:t>
             </a:fld>
@@ -1196,7 +1196,7 @@
     </p:spTree>
     <p:extLst>
       <p:ext uri="{BB962C8B-B14F-4D97-AF65-F5344CB8AC3E}">
-        <p14:creationId xmlns:p14="http://schemas.microsoft.com/office/powerpoint/2010/main" val="3796322342"/>
+        <p14:creationId xmlns:p14="http://schemas.microsoft.com/office/powerpoint/2010/main" val="43573568"/>
       </p:ext>
     </p:extLst>
   </p:cSld>
@@ -1228,7 +1228,7 @@
           <p:cNvPr id="2" name="标题 1">
             <a:extLst>
               <a:ext uri="{FF2B5EF4-FFF2-40B4-BE49-F238E27FC236}">
-                <a16:creationId xmlns:a16="http://schemas.microsoft.com/office/drawing/2014/main" id="{D1EB8814-0BC9-4B33-7210-D50306B85606}"/>
+                <a16:creationId xmlns:a16="http://schemas.microsoft.com/office/drawing/2014/main" id="{E8E7AA95-A17B-60CB-A6DD-0C3190050759}"/>
               </a:ext>
             </a:extLst>
           </p:cNvPr>
@@ -1256,7 +1256,7 @@
           <p:cNvPr id="3" name="内容占位符 2">
             <a:extLst>
               <a:ext uri="{FF2B5EF4-FFF2-40B4-BE49-F238E27FC236}">
-                <a16:creationId xmlns:a16="http://schemas.microsoft.com/office/drawing/2014/main" id="{E96B2754-F3F5-D34D-6D2F-171E4EDFA6C5}"/>
+                <a16:creationId xmlns:a16="http://schemas.microsoft.com/office/drawing/2014/main" id="{B75861B8-AE9D-7065-B0BC-292ADEAC26A8}"/>
               </a:ext>
             </a:extLst>
           </p:cNvPr>
@@ -1318,7 +1318,7 @@
           <p:cNvPr id="4" name="内容占位符 3">
             <a:extLst>
               <a:ext uri="{FF2B5EF4-FFF2-40B4-BE49-F238E27FC236}">
-                <a16:creationId xmlns:a16="http://schemas.microsoft.com/office/drawing/2014/main" id="{2190AE3C-B40B-8EFA-9FC6-C69F29E16335}"/>
+                <a16:creationId xmlns:a16="http://schemas.microsoft.com/office/drawing/2014/main" id="{EE1FDA1A-F09F-A443-5079-7580B3FD0418}"/>
               </a:ext>
             </a:extLst>
           </p:cNvPr>
@@ -1380,7 +1380,7 @@
           <p:cNvPr id="5" name="日期占位符 4">
             <a:extLst>
               <a:ext uri="{FF2B5EF4-FFF2-40B4-BE49-F238E27FC236}">
-                <a16:creationId xmlns:a16="http://schemas.microsoft.com/office/drawing/2014/main" id="{587C807E-CAB5-DDA8-468D-62CD9878D9D0}"/>
+                <a16:creationId xmlns:a16="http://schemas.microsoft.com/office/drawing/2014/main" id="{388369FD-B8DE-4EE9-A06B-2E9C43D17A4B}"/>
               </a:ext>
             </a:extLst>
           </p:cNvPr>
@@ -1396,7 +1396,7 @@
           <a:bodyPr/>
           <a:lstStyle/>
           <a:p>
-            <a:fld id="{DEB82341-6CC1-422E-9690-E6DDDE0ECB77}" type="datetimeFigureOut">
+            <a:fld id="{FFD437C2-76D8-44AC-9288-4D4C44F28180}" type="datetimeFigureOut">
               <a:rPr lang="zh-CN" altLang="en-US" smtClean="0"/>
               <a:t>2024/3/10</a:t>
             </a:fld>
@@ -1409,7 +1409,7 @@
           <p:cNvPr id="6" name="页脚占位符 5">
             <a:extLst>
               <a:ext uri="{FF2B5EF4-FFF2-40B4-BE49-F238E27FC236}">
-                <a16:creationId xmlns:a16="http://schemas.microsoft.com/office/drawing/2014/main" id="{C7FF69E2-E756-5041-A3D9-BE03C4A2AB93}"/>
+                <a16:creationId xmlns:a16="http://schemas.microsoft.com/office/drawing/2014/main" id="{8D598167-85CA-7987-24DF-7E3B507AA6E6}"/>
               </a:ext>
             </a:extLst>
           </p:cNvPr>
@@ -1434,7 +1434,7 @@
           <p:cNvPr id="7" name="灯片编号占位符 6">
             <a:extLst>
               <a:ext uri="{FF2B5EF4-FFF2-40B4-BE49-F238E27FC236}">
-                <a16:creationId xmlns:a16="http://schemas.microsoft.com/office/drawing/2014/main" id="{1E0A4220-5EDC-905A-2F6A-2FA875F946E0}"/>
+                <a16:creationId xmlns:a16="http://schemas.microsoft.com/office/drawing/2014/main" id="{57B17486-2B9D-E27E-6FF9-A7CFC3EB95D3}"/>
               </a:ext>
             </a:extLst>
           </p:cNvPr>
@@ -1450,7 +1450,7 @@
           <a:bodyPr/>
           <a:lstStyle/>
           <a:p>
-            <a:fld id="{A577BA06-BF80-4919-B618-EFCF9AD0C358}" type="slidenum">
+            <a:fld id="{B2F47103-2794-4D99-8DB9-B30862BB9282}" type="slidenum">
               <a:rPr lang="zh-CN" altLang="en-US" smtClean="0"/>
               <a:t>‹#›</a:t>
             </a:fld>
@@ -1461,7 +1461,7 @@
     </p:spTree>
     <p:extLst>
       <p:ext uri="{BB962C8B-B14F-4D97-AF65-F5344CB8AC3E}">
-        <p14:creationId xmlns:p14="http://schemas.microsoft.com/office/powerpoint/2010/main" val="395354044"/>
+        <p14:creationId xmlns:p14="http://schemas.microsoft.com/office/powerpoint/2010/main" val="203142618"/>
       </p:ext>
     </p:extLst>
   </p:cSld>
@@ -1493,7 +1493,7 @@
           <p:cNvPr id="2" name="标题 1">
             <a:extLst>
               <a:ext uri="{FF2B5EF4-FFF2-40B4-BE49-F238E27FC236}">
-                <a16:creationId xmlns:a16="http://schemas.microsoft.com/office/drawing/2014/main" id="{4A84160D-264F-7528-A006-4EB71D80FC24}"/>
+                <a16:creationId xmlns:a16="http://schemas.microsoft.com/office/drawing/2014/main" id="{9B7CFE86-D701-10C7-A9AC-3CF267001499}"/>
               </a:ext>
             </a:extLst>
           </p:cNvPr>
@@ -1526,7 +1526,7 @@
           <p:cNvPr id="3" name="文本占位符 2">
             <a:extLst>
               <a:ext uri="{FF2B5EF4-FFF2-40B4-BE49-F238E27FC236}">
-                <a16:creationId xmlns:a16="http://schemas.microsoft.com/office/drawing/2014/main" id="{E92E93CC-4DFA-FE0F-1CF7-73186B2DDFC3}"/>
+                <a16:creationId xmlns:a16="http://schemas.microsoft.com/office/drawing/2014/main" id="{E91BF97A-1A4F-69A2-1E3D-EF9F68F7D89B}"/>
               </a:ext>
             </a:extLst>
           </p:cNvPr>
@@ -1597,7 +1597,7 @@
           <p:cNvPr id="4" name="内容占位符 3">
             <a:extLst>
               <a:ext uri="{FF2B5EF4-FFF2-40B4-BE49-F238E27FC236}">
-                <a16:creationId xmlns:a16="http://schemas.microsoft.com/office/drawing/2014/main" id="{5827EDB6-9234-9DF4-4111-FBE92F90B6CB}"/>
+                <a16:creationId xmlns:a16="http://schemas.microsoft.com/office/drawing/2014/main" id="{D0E3E1CF-BA9E-0A2C-0E08-A2AAFCDFFCC1}"/>
               </a:ext>
             </a:extLst>
           </p:cNvPr>
@@ -1659,7 +1659,7 @@
           <p:cNvPr id="5" name="文本占位符 4">
             <a:extLst>
               <a:ext uri="{FF2B5EF4-FFF2-40B4-BE49-F238E27FC236}">
-                <a16:creationId xmlns:a16="http://schemas.microsoft.com/office/drawing/2014/main" id="{B0AE9F1D-4B9E-971D-7D3F-18EA599F7A2C}"/>
+                <a16:creationId xmlns:a16="http://schemas.microsoft.com/office/drawing/2014/main" id="{1A4BD0EC-4BEC-0E66-2B92-03F52970C026}"/>
               </a:ext>
             </a:extLst>
           </p:cNvPr>
@@ -1730,7 +1730,7 @@
           <p:cNvPr id="6" name="内容占位符 5">
             <a:extLst>
               <a:ext uri="{FF2B5EF4-FFF2-40B4-BE49-F238E27FC236}">
-                <a16:creationId xmlns:a16="http://schemas.microsoft.com/office/drawing/2014/main" id="{95FF1D10-8469-0115-C571-6CEC3DD19C77}"/>
+                <a16:creationId xmlns:a16="http://schemas.microsoft.com/office/drawing/2014/main" id="{90F3514E-77F8-D0DD-8758-30598181FD29}"/>
               </a:ext>
             </a:extLst>
           </p:cNvPr>
@@ -1792,7 +1792,7 @@
           <p:cNvPr id="7" name="日期占位符 6">
             <a:extLst>
               <a:ext uri="{FF2B5EF4-FFF2-40B4-BE49-F238E27FC236}">
-                <a16:creationId xmlns:a16="http://schemas.microsoft.com/office/drawing/2014/main" id="{4609C9A9-A612-CAA3-3A09-A725F0C8550E}"/>
+                <a16:creationId xmlns:a16="http://schemas.microsoft.com/office/drawing/2014/main" id="{57FF8579-6725-3207-B2B8-F5C20A35466D}"/>
               </a:ext>
             </a:extLst>
           </p:cNvPr>
@@ -1808,7 +1808,7 @@
           <a:bodyPr/>
           <a:lstStyle/>
           <a:p>
-            <a:fld id="{DEB82341-6CC1-422E-9690-E6DDDE0ECB77}" type="datetimeFigureOut">
+            <a:fld id="{FFD437C2-76D8-44AC-9288-4D4C44F28180}" type="datetimeFigureOut">
               <a:rPr lang="zh-CN" altLang="en-US" smtClean="0"/>
               <a:t>2024/3/10</a:t>
             </a:fld>
@@ -1821,7 +1821,7 @@
           <p:cNvPr id="8" name="页脚占位符 7">
             <a:extLst>
               <a:ext uri="{FF2B5EF4-FFF2-40B4-BE49-F238E27FC236}">
-                <a16:creationId xmlns:a16="http://schemas.microsoft.com/office/drawing/2014/main" id="{5C425389-7982-13B2-6044-2A52F416ED81}"/>
+                <a16:creationId xmlns:a16="http://schemas.microsoft.com/office/drawing/2014/main" id="{4A813589-7644-8D00-C3A1-DA3BC569BF19}"/>
               </a:ext>
             </a:extLst>
           </p:cNvPr>
@@ -1846,7 +1846,7 @@
           <p:cNvPr id="9" name="灯片编号占位符 8">
             <a:extLst>
               <a:ext uri="{FF2B5EF4-FFF2-40B4-BE49-F238E27FC236}">
-                <a16:creationId xmlns:a16="http://schemas.microsoft.com/office/drawing/2014/main" id="{2F40BD15-88AC-7C13-6297-C1A207FA0728}"/>
+                <a16:creationId xmlns:a16="http://schemas.microsoft.com/office/drawing/2014/main" id="{2250A6EE-7299-F996-8419-447705B6B1D5}"/>
               </a:ext>
             </a:extLst>
           </p:cNvPr>
@@ -1862,7 +1862,7 @@
           <a:bodyPr/>
           <a:lstStyle/>
           <a:p>
-            <a:fld id="{A577BA06-BF80-4919-B618-EFCF9AD0C358}" type="slidenum">
+            <a:fld id="{B2F47103-2794-4D99-8DB9-B30862BB9282}" type="slidenum">
               <a:rPr lang="zh-CN" altLang="en-US" smtClean="0"/>
               <a:t>‹#›</a:t>
             </a:fld>
@@ -1873,7 +1873,7 @@
     </p:spTree>
     <p:extLst>
       <p:ext uri="{BB962C8B-B14F-4D97-AF65-F5344CB8AC3E}">
-        <p14:creationId xmlns:p14="http://schemas.microsoft.com/office/powerpoint/2010/main" val="142509660"/>
+        <p14:creationId xmlns:p14="http://schemas.microsoft.com/office/powerpoint/2010/main" val="3212902392"/>
       </p:ext>
     </p:extLst>
   </p:cSld>
@@ -1905,7 +1905,7 @@
           <p:cNvPr id="2" name="标题 1">
             <a:extLst>
               <a:ext uri="{FF2B5EF4-FFF2-40B4-BE49-F238E27FC236}">
-                <a16:creationId xmlns:a16="http://schemas.microsoft.com/office/drawing/2014/main" id="{E0501487-0665-048F-A973-8DBD8045D8EF}"/>
+                <a16:creationId xmlns:a16="http://schemas.microsoft.com/office/drawing/2014/main" id="{62E2233C-731D-B65D-D7EC-048BFB07E355}"/>
               </a:ext>
             </a:extLst>
           </p:cNvPr>
@@ -1933,7 +1933,7 @@
           <p:cNvPr id="3" name="日期占位符 2">
             <a:extLst>
               <a:ext uri="{FF2B5EF4-FFF2-40B4-BE49-F238E27FC236}">
-                <a16:creationId xmlns:a16="http://schemas.microsoft.com/office/drawing/2014/main" id="{AFAE168E-28B7-2736-6E87-124D85717318}"/>
+                <a16:creationId xmlns:a16="http://schemas.microsoft.com/office/drawing/2014/main" id="{3EBA8CAC-CE9A-9161-5C4A-F38D8538E115}"/>
               </a:ext>
             </a:extLst>
           </p:cNvPr>
@@ -1949,7 +1949,7 @@
           <a:bodyPr/>
           <a:lstStyle/>
           <a:p>
-            <a:fld id="{DEB82341-6CC1-422E-9690-E6DDDE0ECB77}" type="datetimeFigureOut">
+            <a:fld id="{FFD437C2-76D8-44AC-9288-4D4C44F28180}" type="datetimeFigureOut">
               <a:rPr lang="zh-CN" altLang="en-US" smtClean="0"/>
               <a:t>2024/3/10</a:t>
             </a:fld>
@@ -1962,7 +1962,7 @@
           <p:cNvPr id="4" name="页脚占位符 3">
             <a:extLst>
               <a:ext uri="{FF2B5EF4-FFF2-40B4-BE49-F238E27FC236}">
-                <a16:creationId xmlns:a16="http://schemas.microsoft.com/office/drawing/2014/main" id="{3982717F-1D1B-0E3E-20E3-BB2F2E785107}"/>
+                <a16:creationId xmlns:a16="http://schemas.microsoft.com/office/drawing/2014/main" id="{219ACAB6-D7E0-BAF2-9888-EC386CBA544B}"/>
               </a:ext>
             </a:extLst>
           </p:cNvPr>
@@ -1987,7 +1987,7 @@
           <p:cNvPr id="5" name="灯片编号占位符 4">
             <a:extLst>
               <a:ext uri="{FF2B5EF4-FFF2-40B4-BE49-F238E27FC236}">
-                <a16:creationId xmlns:a16="http://schemas.microsoft.com/office/drawing/2014/main" id="{2B9723EF-1642-213C-A59B-DE76147C9B21}"/>
+                <a16:creationId xmlns:a16="http://schemas.microsoft.com/office/drawing/2014/main" id="{2178CE07-E467-CFAD-F796-5AFA84B30B81}"/>
               </a:ext>
             </a:extLst>
           </p:cNvPr>
@@ -2003,7 +2003,7 @@
           <a:bodyPr/>
           <a:lstStyle/>
           <a:p>
-            <a:fld id="{A577BA06-BF80-4919-B618-EFCF9AD0C358}" type="slidenum">
+            <a:fld id="{B2F47103-2794-4D99-8DB9-B30862BB9282}" type="slidenum">
               <a:rPr lang="zh-CN" altLang="en-US" smtClean="0"/>
               <a:t>‹#›</a:t>
             </a:fld>
@@ -2014,7 +2014,7 @@
     </p:spTree>
     <p:extLst>
       <p:ext uri="{BB962C8B-B14F-4D97-AF65-F5344CB8AC3E}">
-        <p14:creationId xmlns:p14="http://schemas.microsoft.com/office/powerpoint/2010/main" val="1338564519"/>
+        <p14:creationId xmlns:p14="http://schemas.microsoft.com/office/powerpoint/2010/main" val="976164596"/>
       </p:ext>
     </p:extLst>
   </p:cSld>
@@ -2046,7 +2046,7 @@
           <p:cNvPr id="2" name="日期占位符 1">
             <a:extLst>
               <a:ext uri="{FF2B5EF4-FFF2-40B4-BE49-F238E27FC236}">
-                <a16:creationId xmlns:a16="http://schemas.microsoft.com/office/drawing/2014/main" id="{3E5D26CA-5D59-5BE1-03D1-BBDBE88738D6}"/>
+                <a16:creationId xmlns:a16="http://schemas.microsoft.com/office/drawing/2014/main" id="{C44FCE9B-D4E9-FA83-9A16-43A82F04B7EE}"/>
               </a:ext>
             </a:extLst>
           </p:cNvPr>
@@ -2062,7 +2062,7 @@
           <a:bodyPr/>
           <a:lstStyle/>
           <a:p>
-            <a:fld id="{DEB82341-6CC1-422E-9690-E6DDDE0ECB77}" type="datetimeFigureOut">
+            <a:fld id="{FFD437C2-76D8-44AC-9288-4D4C44F28180}" type="datetimeFigureOut">
               <a:rPr lang="zh-CN" altLang="en-US" smtClean="0"/>
               <a:t>2024/3/10</a:t>
             </a:fld>
@@ -2075,7 +2075,7 @@
           <p:cNvPr id="3" name="页脚占位符 2">
             <a:extLst>
               <a:ext uri="{FF2B5EF4-FFF2-40B4-BE49-F238E27FC236}">
-                <a16:creationId xmlns:a16="http://schemas.microsoft.com/office/drawing/2014/main" id="{A38B6BBA-7B07-1A47-0B19-C1463C7E433C}"/>
+                <a16:creationId xmlns:a16="http://schemas.microsoft.com/office/drawing/2014/main" id="{D87FC178-CFE0-BACF-C8CF-94567DA2CD17}"/>
               </a:ext>
             </a:extLst>
           </p:cNvPr>
@@ -2100,7 +2100,7 @@
           <p:cNvPr id="4" name="灯片编号占位符 3">
             <a:extLst>
               <a:ext uri="{FF2B5EF4-FFF2-40B4-BE49-F238E27FC236}">
-                <a16:creationId xmlns:a16="http://schemas.microsoft.com/office/drawing/2014/main" id="{E73C6576-E6B6-F742-CC53-5FEE47C2B185}"/>
+                <a16:creationId xmlns:a16="http://schemas.microsoft.com/office/drawing/2014/main" id="{F8D83395-F0EC-24C0-029A-BB9C37904FD3}"/>
               </a:ext>
             </a:extLst>
           </p:cNvPr>
@@ -2116,7 +2116,7 @@
           <a:bodyPr/>
           <a:lstStyle/>
           <a:p>
-            <a:fld id="{A577BA06-BF80-4919-B618-EFCF9AD0C358}" type="slidenum">
+            <a:fld id="{B2F47103-2794-4D99-8DB9-B30862BB9282}" type="slidenum">
               <a:rPr lang="zh-CN" altLang="en-US" smtClean="0"/>
               <a:t>‹#›</a:t>
             </a:fld>
@@ -2127,7 +2127,7 @@
     </p:spTree>
     <p:extLst>
       <p:ext uri="{BB962C8B-B14F-4D97-AF65-F5344CB8AC3E}">
-        <p14:creationId xmlns:p14="http://schemas.microsoft.com/office/powerpoint/2010/main" val="529127239"/>
+        <p14:creationId xmlns:p14="http://schemas.microsoft.com/office/powerpoint/2010/main" val="3781195130"/>
       </p:ext>
     </p:extLst>
   </p:cSld>
@@ -2159,7 +2159,7 @@
           <p:cNvPr id="2" name="标题 1">
             <a:extLst>
               <a:ext uri="{FF2B5EF4-FFF2-40B4-BE49-F238E27FC236}">
-                <a16:creationId xmlns:a16="http://schemas.microsoft.com/office/drawing/2014/main" id="{7C4D537C-B203-8A0C-4293-8694F1E8AB6E}"/>
+                <a16:creationId xmlns:a16="http://schemas.microsoft.com/office/drawing/2014/main" id="{0ED82B77-B97A-AE6D-8D02-7568B9953D1B}"/>
               </a:ext>
             </a:extLst>
           </p:cNvPr>
@@ -2196,7 +2196,7 @@
           <p:cNvPr id="3" name="内容占位符 2">
             <a:extLst>
               <a:ext uri="{FF2B5EF4-FFF2-40B4-BE49-F238E27FC236}">
-                <a16:creationId xmlns:a16="http://schemas.microsoft.com/office/drawing/2014/main" id="{73AE5258-9E05-E9B2-5BED-84EA9EA3BD02}"/>
+                <a16:creationId xmlns:a16="http://schemas.microsoft.com/office/drawing/2014/main" id="{3F2A5A00-E439-24D5-CA81-3E67519A5006}"/>
               </a:ext>
             </a:extLst>
           </p:cNvPr>
@@ -2286,7 +2286,7 @@
           <p:cNvPr id="4" name="文本占位符 3">
             <a:extLst>
               <a:ext uri="{FF2B5EF4-FFF2-40B4-BE49-F238E27FC236}">
-                <a16:creationId xmlns:a16="http://schemas.microsoft.com/office/drawing/2014/main" id="{3BC96E6C-9E68-DC7B-AA70-80CE5F921993}"/>
+                <a16:creationId xmlns:a16="http://schemas.microsoft.com/office/drawing/2014/main" id="{96D7AB9E-3F88-453D-E2F2-AC35857E609C}"/>
               </a:ext>
             </a:extLst>
           </p:cNvPr>
@@ -2357,7 +2357,7 @@
           <p:cNvPr id="5" name="日期占位符 4">
             <a:extLst>
               <a:ext uri="{FF2B5EF4-FFF2-40B4-BE49-F238E27FC236}">
-                <a16:creationId xmlns:a16="http://schemas.microsoft.com/office/drawing/2014/main" id="{7074B847-D48C-3C9A-A3EF-DD921B02A96D}"/>
+                <a16:creationId xmlns:a16="http://schemas.microsoft.com/office/drawing/2014/main" id="{5FC3C4E7-E94F-6F7B-4D41-1519D0AF3CE9}"/>
               </a:ext>
             </a:extLst>
           </p:cNvPr>
@@ -2373,7 +2373,7 @@
           <a:bodyPr/>
           <a:lstStyle/>
           <a:p>
-            <a:fld id="{DEB82341-6CC1-422E-9690-E6DDDE0ECB77}" type="datetimeFigureOut">
+            <a:fld id="{FFD437C2-76D8-44AC-9288-4D4C44F28180}" type="datetimeFigureOut">
               <a:rPr lang="zh-CN" altLang="en-US" smtClean="0"/>
               <a:t>2024/3/10</a:t>
             </a:fld>
@@ -2386,7 +2386,7 @@
           <p:cNvPr id="6" name="页脚占位符 5">
             <a:extLst>
               <a:ext uri="{FF2B5EF4-FFF2-40B4-BE49-F238E27FC236}">
-                <a16:creationId xmlns:a16="http://schemas.microsoft.com/office/drawing/2014/main" id="{E3D774CD-E95C-6F89-3B8B-D44AB022DF11}"/>
+                <a16:creationId xmlns:a16="http://schemas.microsoft.com/office/drawing/2014/main" id="{11B60B5B-9D3C-5753-D856-DF7CD8247E7F}"/>
               </a:ext>
             </a:extLst>
           </p:cNvPr>
@@ -2411,7 +2411,7 @@
           <p:cNvPr id="7" name="灯片编号占位符 6">
             <a:extLst>
               <a:ext uri="{FF2B5EF4-FFF2-40B4-BE49-F238E27FC236}">
-                <a16:creationId xmlns:a16="http://schemas.microsoft.com/office/drawing/2014/main" id="{751A8EAB-D787-5651-6099-6CE82ACE5196}"/>
+                <a16:creationId xmlns:a16="http://schemas.microsoft.com/office/drawing/2014/main" id="{DD3EBC1D-8A9E-22D2-5463-5BAAE9C36B57}"/>
               </a:ext>
             </a:extLst>
           </p:cNvPr>
@@ -2427,7 +2427,7 @@
           <a:bodyPr/>
           <a:lstStyle/>
           <a:p>
-            <a:fld id="{A577BA06-BF80-4919-B618-EFCF9AD0C358}" type="slidenum">
+            <a:fld id="{B2F47103-2794-4D99-8DB9-B30862BB9282}" type="slidenum">
               <a:rPr lang="zh-CN" altLang="en-US" smtClean="0"/>
               <a:t>‹#›</a:t>
             </a:fld>
@@ -2438,7 +2438,7 @@
     </p:spTree>
     <p:extLst>
       <p:ext uri="{BB962C8B-B14F-4D97-AF65-F5344CB8AC3E}">
-        <p14:creationId xmlns:p14="http://schemas.microsoft.com/office/powerpoint/2010/main" val="1135366183"/>
+        <p14:creationId xmlns:p14="http://schemas.microsoft.com/office/powerpoint/2010/main" val="2845753194"/>
       </p:ext>
     </p:extLst>
   </p:cSld>
@@ -2470,7 +2470,7 @@
           <p:cNvPr id="2" name="标题 1">
             <a:extLst>
               <a:ext uri="{FF2B5EF4-FFF2-40B4-BE49-F238E27FC236}">
-                <a16:creationId xmlns:a16="http://schemas.microsoft.com/office/drawing/2014/main" id="{F0DB3CBB-8CBF-7BE0-9DBB-32804B5F2D46}"/>
+                <a16:creationId xmlns:a16="http://schemas.microsoft.com/office/drawing/2014/main" id="{9C857BC2-E86F-9CE6-A0A1-701DAAEC7AFF}"/>
               </a:ext>
             </a:extLst>
           </p:cNvPr>
@@ -2507,7 +2507,7 @@
           <p:cNvPr id="3" name="图片占位符 2">
             <a:extLst>
               <a:ext uri="{FF2B5EF4-FFF2-40B4-BE49-F238E27FC236}">
-                <a16:creationId xmlns:a16="http://schemas.microsoft.com/office/drawing/2014/main" id="{5E2B5193-F061-0945-9201-B6CA4F62D7AE}"/>
+                <a16:creationId xmlns:a16="http://schemas.microsoft.com/office/drawing/2014/main" id="{8A0794A5-A378-0D9C-9B46-7D097DC18CE9}"/>
               </a:ext>
             </a:extLst>
           </p:cNvPr>
@@ -2574,7 +2574,7 @@
           <p:cNvPr id="4" name="文本占位符 3">
             <a:extLst>
               <a:ext uri="{FF2B5EF4-FFF2-40B4-BE49-F238E27FC236}">
-                <a16:creationId xmlns:a16="http://schemas.microsoft.com/office/drawing/2014/main" id="{00219C4F-8FD4-2A3D-5A9B-899F90EBE9EA}"/>
+                <a16:creationId xmlns:a16="http://schemas.microsoft.com/office/drawing/2014/main" id="{909FFEEF-69F9-155A-62E0-F59E28B4AF95}"/>
               </a:ext>
             </a:extLst>
           </p:cNvPr>
@@ -2645,7 +2645,7 @@
           <p:cNvPr id="5" name="日期占位符 4">
             <a:extLst>
               <a:ext uri="{FF2B5EF4-FFF2-40B4-BE49-F238E27FC236}">
-                <a16:creationId xmlns:a16="http://schemas.microsoft.com/office/drawing/2014/main" id="{B6A1E3E5-BF71-ABBE-E7B6-F4C65D087CC5}"/>
+                <a16:creationId xmlns:a16="http://schemas.microsoft.com/office/drawing/2014/main" id="{0206BFAD-26D5-627B-156E-BA4B6F1EB737}"/>
               </a:ext>
             </a:extLst>
           </p:cNvPr>
@@ -2661,7 +2661,7 @@
           <a:bodyPr/>
           <a:lstStyle/>
           <a:p>
-            <a:fld id="{DEB82341-6CC1-422E-9690-E6DDDE0ECB77}" type="datetimeFigureOut">
+            <a:fld id="{FFD437C2-76D8-44AC-9288-4D4C44F28180}" type="datetimeFigureOut">
               <a:rPr lang="zh-CN" altLang="en-US" smtClean="0"/>
               <a:t>2024/3/10</a:t>
             </a:fld>
@@ -2674,7 +2674,7 @@
           <p:cNvPr id="6" name="页脚占位符 5">
             <a:extLst>
               <a:ext uri="{FF2B5EF4-FFF2-40B4-BE49-F238E27FC236}">
-                <a16:creationId xmlns:a16="http://schemas.microsoft.com/office/drawing/2014/main" id="{D8CC529D-0B4D-9FF7-DD6A-4106602D7237}"/>
+                <a16:creationId xmlns:a16="http://schemas.microsoft.com/office/drawing/2014/main" id="{A4564C21-74FB-21B2-F21F-DA00555D387F}"/>
               </a:ext>
             </a:extLst>
           </p:cNvPr>
@@ -2699,7 +2699,7 @@
           <p:cNvPr id="7" name="灯片编号占位符 6">
             <a:extLst>
               <a:ext uri="{FF2B5EF4-FFF2-40B4-BE49-F238E27FC236}">
-                <a16:creationId xmlns:a16="http://schemas.microsoft.com/office/drawing/2014/main" id="{009DACFC-FFC9-8718-69CB-37B78CFC65D9}"/>
+                <a16:creationId xmlns:a16="http://schemas.microsoft.com/office/drawing/2014/main" id="{C4CACF04-7809-90DC-45F8-4046DABD87CC}"/>
               </a:ext>
             </a:extLst>
           </p:cNvPr>
@@ -2715,7 +2715,7 @@
           <a:bodyPr/>
           <a:lstStyle/>
           <a:p>
-            <a:fld id="{A577BA06-BF80-4919-B618-EFCF9AD0C358}" type="slidenum">
+            <a:fld id="{B2F47103-2794-4D99-8DB9-B30862BB9282}" type="slidenum">
               <a:rPr lang="zh-CN" altLang="en-US" smtClean="0"/>
               <a:t>‹#›</a:t>
             </a:fld>
@@ -2726,7 +2726,7 @@
     </p:spTree>
     <p:extLst>
       <p:ext uri="{BB962C8B-B14F-4D97-AF65-F5344CB8AC3E}">
-        <p14:creationId xmlns:p14="http://schemas.microsoft.com/office/powerpoint/2010/main" val="1080540940"/>
+        <p14:creationId xmlns:p14="http://schemas.microsoft.com/office/powerpoint/2010/main" val="3312978650"/>
       </p:ext>
     </p:extLst>
   </p:cSld>
@@ -2763,7 +2763,7 @@
           <p:cNvPr id="2" name="标题占位符 1">
             <a:extLst>
               <a:ext uri="{FF2B5EF4-FFF2-40B4-BE49-F238E27FC236}">
-                <a16:creationId xmlns:a16="http://schemas.microsoft.com/office/drawing/2014/main" id="{0C701E34-2D7B-7A4C-8EDF-14C1544D6C28}"/>
+                <a16:creationId xmlns:a16="http://schemas.microsoft.com/office/drawing/2014/main" id="{22D92D5C-0005-F05B-19E0-9FCBC1B38E29}"/>
               </a:ext>
             </a:extLst>
           </p:cNvPr>
@@ -2801,7 +2801,7 @@
           <p:cNvPr id="3" name="文本占位符 2">
             <a:extLst>
               <a:ext uri="{FF2B5EF4-FFF2-40B4-BE49-F238E27FC236}">
-                <a16:creationId xmlns:a16="http://schemas.microsoft.com/office/drawing/2014/main" id="{374693FD-13E7-1761-25A1-4BAA69CEB16C}"/>
+                <a16:creationId xmlns:a16="http://schemas.microsoft.com/office/drawing/2014/main" id="{AD73F97C-621D-41C0-32D4-B8E500A1CE2B}"/>
               </a:ext>
             </a:extLst>
           </p:cNvPr>
@@ -2868,7 +2868,7 @@
           <p:cNvPr id="4" name="日期占位符 3">
             <a:extLst>
               <a:ext uri="{FF2B5EF4-FFF2-40B4-BE49-F238E27FC236}">
-                <a16:creationId xmlns:a16="http://schemas.microsoft.com/office/drawing/2014/main" id="{C331BFC2-68F4-3514-7547-61EC65995A92}"/>
+                <a16:creationId xmlns:a16="http://schemas.microsoft.com/office/drawing/2014/main" id="{CDA1F65C-2A6B-5F72-A659-70A9E04C451F}"/>
               </a:ext>
             </a:extLst>
           </p:cNvPr>
@@ -2902,7 +2902,7 @@
             </a:lvl1pPr>
           </a:lstStyle>
           <a:p>
-            <a:fld id="{DEB82341-6CC1-422E-9690-E6DDDE0ECB77}" type="datetimeFigureOut">
+            <a:fld id="{FFD437C2-76D8-44AC-9288-4D4C44F28180}" type="datetimeFigureOut">
               <a:rPr lang="zh-CN" altLang="en-US" smtClean="0"/>
               <a:t>2024/3/10</a:t>
             </a:fld>
@@ -2915,7 +2915,7 @@
           <p:cNvPr id="5" name="页脚占位符 4">
             <a:extLst>
               <a:ext uri="{FF2B5EF4-FFF2-40B4-BE49-F238E27FC236}">
-                <a16:creationId xmlns:a16="http://schemas.microsoft.com/office/drawing/2014/main" id="{4E16ED7C-6022-4021-CCF7-2E2BC42FC8EB}"/>
+                <a16:creationId xmlns:a16="http://schemas.microsoft.com/office/drawing/2014/main" id="{77BC89C4-16CA-68C2-8B9E-3392C860B8C7}"/>
               </a:ext>
             </a:extLst>
           </p:cNvPr>
@@ -2958,7 +2958,7 @@
           <p:cNvPr id="6" name="灯片编号占位符 5">
             <a:extLst>
               <a:ext uri="{FF2B5EF4-FFF2-40B4-BE49-F238E27FC236}">
-                <a16:creationId xmlns:a16="http://schemas.microsoft.com/office/drawing/2014/main" id="{ED8F0934-D912-46DD-D4E8-16540142E1BA}"/>
+                <a16:creationId xmlns:a16="http://schemas.microsoft.com/office/drawing/2014/main" id="{BB87AA07-6F3D-70D9-A7C6-8B4F9BAA0960}"/>
               </a:ext>
             </a:extLst>
           </p:cNvPr>
@@ -2992,7 +2992,7 @@
             </a:lvl1pPr>
           </a:lstStyle>
           <a:p>
-            <a:fld id="{A577BA06-BF80-4919-B618-EFCF9AD0C358}" type="slidenum">
+            <a:fld id="{B2F47103-2794-4D99-8DB9-B30862BB9282}" type="slidenum">
               <a:rPr lang="zh-CN" altLang="en-US" smtClean="0"/>
               <a:t>‹#›</a:t>
             </a:fld>
@@ -3003,7 +3003,7 @@
     </p:spTree>
     <p:extLst>
       <p:ext uri="{BB962C8B-B14F-4D97-AF65-F5344CB8AC3E}">
-        <p14:creationId xmlns:p14="http://schemas.microsoft.com/office/powerpoint/2010/main" val="426098390"/>
+        <p14:creationId xmlns:p14="http://schemas.microsoft.com/office/powerpoint/2010/main" val="3005816089"/>
       </p:ext>
     </p:extLst>
   </p:cSld>
